--- a/schedule/notes/8-ADTs.pptx
+++ b/schedule/notes/8-ADTs.pptx
@@ -254,7 +254,7 @@
             <a:fld id="{E84971C4-D6ED-436C-8B49-F7A3B8634A12}" type="datetimeFigureOut">
               <a:rPr lang="en-US" smtClean="0"/>
               <a:pPr/>
-              <a:t>1/12/2021</a:t>
+              <a:t>2/5/2021</a:t>
             </a:fld>
             <a:endParaRPr lang="en-US"/>
           </a:p>
@@ -4658,14 +4658,7 @@
           <a:p>
             <a:r>
               <a:rPr lang="en-US" sz="2400" dirty="0"/>
-              <a:t>In DAPS textbook Chapter 1, this is</a:t>
-            </a:r>
-            <a:br>
-              <a:rPr lang="en-US" sz="2400" dirty="0"/>
-            </a:br>
-            <a:r>
-              <a:rPr lang="en-US" sz="2400" dirty="0"/>
-              <a:t>the 'bag' ADT</a:t>
+              <a:t>Sometimes called the 'bag' ADT</a:t>
             </a:r>
           </a:p>
           <a:p>
@@ -5163,7 +5156,7 @@
             <p:ph idx="1"/>
             <p:extLst>
               <p:ext uri="{D42A27DB-BD31-4B8C-83A1-F6EECF244321}">
-                <p14:modId xmlns:p14="http://schemas.microsoft.com/office/powerpoint/2010/main" val="2149336474"/>
+                <p14:modId xmlns:p14="http://schemas.microsoft.com/office/powerpoint/2010/main" val="261589730"/>
               </p:ext>
             </p:extLst>
           </p:nvPr>
@@ -5484,6 +5477,53 @@
                     <a:bodyPr/>
                     <a:lstStyle/>
                     <a:p>
+                      <a:endParaRPr lang="en-US" sz="1600" b="1" dirty="0"/>
+                    </a:p>
+                  </a:txBody>
+                  <a:tcPr/>
+                </a:tc>
+                <a:tc>
+                  <a:txBody>
+                    <a:bodyPr/>
+                    <a:lstStyle/>
+                    <a:p>
+                      <a:endParaRPr lang="en-US" sz="1600" dirty="0"/>
+                    </a:p>
+                  </a:txBody>
+                  <a:tcPr/>
+                </a:tc>
+                <a:tc>
+                  <a:txBody>
+                    <a:bodyPr/>
+                    <a:lstStyle/>
+                    <a:p>
+                      <a:endParaRPr lang="en-US" sz="1600" dirty="0"/>
+                    </a:p>
+                  </a:txBody>
+                  <a:tcPr/>
+                </a:tc>
+                <a:tc>
+                  <a:txBody>
+                    <a:bodyPr/>
+                    <a:lstStyle/>
+                    <a:p>
+                      <a:endParaRPr lang="en-US" sz="1600" dirty="0"/>
+                    </a:p>
+                  </a:txBody>
+                  <a:tcPr/>
+                </a:tc>
+                <a:extLst>
+                  <a:ext uri="{0D108BD9-81ED-4DB2-BD59-A6C34878D82A}">
+                    <a16:rowId xmlns:a16="http://schemas.microsoft.com/office/drawing/2014/main" val="10004"/>
+                  </a:ext>
+                </a:extLst>
+              </a:tr>
+              <a:tr h="289560">
+                <a:tc>
+                  <a:txBody>
+                    <a:bodyPr/>
+                    <a:lstStyle/>
+                    <a:p>
                       <a:r>
                         <a:rPr lang="en-US" sz="1600" dirty="0"/>
                         <a:t>empty</a:t>
@@ -5530,53 +5570,6 @@
                         <a:rPr lang="en-US" sz="1600" dirty="0" err="1"/>
                         <a:t>bool</a:t>
                       </a:r>
-                      <a:endParaRPr lang="en-US" sz="1600" dirty="0"/>
-                    </a:p>
-                  </a:txBody>
-                  <a:tcPr/>
-                </a:tc>
-                <a:extLst>
-                  <a:ext uri="{0D108BD9-81ED-4DB2-BD59-A6C34878D82A}">
-                    <a16:rowId xmlns:a16="http://schemas.microsoft.com/office/drawing/2014/main" val="10004"/>
-                  </a:ext>
-                </a:extLst>
-              </a:tr>
-              <a:tr h="289560">
-                <a:tc>
-                  <a:txBody>
-                    <a:bodyPr/>
-                    <a:lstStyle/>
-                    <a:p>
-                      <a:endParaRPr lang="en-US" sz="1600" b="1" dirty="0"/>
-                    </a:p>
-                  </a:txBody>
-                  <a:tcPr/>
-                </a:tc>
-                <a:tc>
-                  <a:txBody>
-                    <a:bodyPr/>
-                    <a:lstStyle/>
-                    <a:p>
-                      <a:endParaRPr lang="en-US" sz="1600" dirty="0"/>
-                    </a:p>
-                  </a:txBody>
-                  <a:tcPr/>
-                </a:tc>
-                <a:tc>
-                  <a:txBody>
-                    <a:bodyPr/>
-                    <a:lstStyle/>
-                    <a:p>
-                      <a:endParaRPr lang="en-US" sz="1600" dirty="0"/>
-                    </a:p>
-                  </a:txBody>
-                  <a:tcPr/>
-                </a:tc>
-                <a:tc>
-                  <a:txBody>
-                    <a:bodyPr/>
-                    <a:lstStyle/>
-                    <a:p>
                       <a:endParaRPr lang="en-US" sz="1600" dirty="0"/>
                     </a:p>
                   </a:txBody>
@@ -5931,7 +5924,7 @@
           <a:p>
             <a:r>
               <a:rPr lang="en-US" sz="2400" dirty="0"/>
-              <a:t>Scores on a test</a:t>
+              <a:t>Ranked scores on a test</a:t>
             </a:r>
           </a:p>
           <a:p>
@@ -5949,7 +5942,7 @@
           <a:p>
             <a:r>
               <a:rPr lang="en-US" sz="2400" dirty="0"/>
-              <a:t>Temperature Reading at a location</a:t>
+              <a:t>Highest Temperature Readings around the world</a:t>
             </a:r>
           </a:p>
           <a:p>
@@ -6003,7 +5996,7 @@
           <a:p>
             <a:r>
               <a:rPr lang="en-US" sz="2400" dirty="0"/>
-              <a:t>Set (maybe List)</a:t>
+              <a:t>Set</a:t>
             </a:r>
           </a:p>
           <a:p>
@@ -18084,7 +18077,7 @@
                 <a:effectLst/>
                 <a:latin typeface="Arial" charset="0"/>
               </a:rPr>
-              <a:t>"Harry</a:t>
+              <a:t>"Helga</a:t>
             </a:r>
             <a:br>
               <a:rPr kumimoji="0" lang="en-US" sz="1200" b="0" i="0" u="none" strike="noStrike" cap="none" normalizeH="0" baseline="0" dirty="0">
@@ -18246,7 +18239,7 @@
                   <a:schemeClr val="tx1"/>
                 </a:solidFill>
               </a:rPr>
-              <a:t>"Dale </a:t>
+              <a:t>"Daffy </a:t>
             </a:r>
             <a:br>
               <a:rPr lang="en-US" sz="1200" dirty="0">
@@ -18348,35 +18341,6 @@
               </a:solidFill>
               <a:effectLst/>
             </a:endParaRPr>
-          </a:p>
-        </p:txBody>
-      </p:sp>
-      <p:sp>
-        <p:nvSpPr>
-          <p:cNvPr id="14" name="TextBox 13"/>
-          <p:cNvSpPr txBox="1"/>
-          <p:nvPr/>
-        </p:nvSpPr>
-        <p:spPr>
-          <a:xfrm>
-            <a:off x="7391400" y="4914899"/>
-            <a:ext cx="1752600" cy="419101"/>
-          </a:xfrm>
-          <a:prstGeom prst="rect">
-            <a:avLst/>
-          </a:prstGeom>
-          <a:noFill/>
-        </p:spPr>
-        <p:txBody>
-          <a:bodyPr wrap="square" rtlCol="0">
-            <a:noAutofit/>
-          </a:bodyPr>
-          <a:lstStyle/>
-          <a:p>
-            <a:r>
-              <a:rPr lang="en-US" sz="1600" dirty="0"/>
-              <a:t>Grade Inflation in the Ivy League!!</a:t>
-            </a:r>
           </a:p>
         </p:txBody>
       </p:sp>
@@ -18705,51 +18669,6 @@
                       </p:childTnLst>
                     </p:cTn>
                   </p:par>
-                  <p:par>
-                    <p:cTn id="27" fill="hold">
-                      <p:stCondLst>
-                        <p:cond delay="indefinite"/>
-                      </p:stCondLst>
-                      <p:childTnLst>
-                        <p:par>
-                          <p:cTn id="28" fill="hold">
-                            <p:stCondLst>
-                              <p:cond delay="0"/>
-                            </p:stCondLst>
-                            <p:childTnLst>
-                              <p:par>
-                                <p:cTn id="29" presetID="1" presetClass="entr" presetSubtype="0" fill="hold" grpId="0" nodeType="clickEffect">
-                                  <p:stCondLst>
-                                    <p:cond delay="0"/>
-                                  </p:stCondLst>
-                                  <p:childTnLst>
-                                    <p:set>
-                                      <p:cBhvr>
-                                        <p:cTn id="30" dur="1" fill="hold">
-                                          <p:stCondLst>
-                                            <p:cond delay="0"/>
-                                          </p:stCondLst>
-                                        </p:cTn>
-                                        <p:tgtEl>
-                                          <p:spTgt spid="14"/>
-                                        </p:tgtEl>
-                                        <p:attrNameLst>
-                                          <p:attrName>style.visibility</p:attrName>
-                                        </p:attrNameLst>
-                                      </p:cBhvr>
-                                      <p:to>
-                                        <p:strVal val="visible"/>
-                                      </p:to>
-                                    </p:set>
-                                  </p:childTnLst>
-                                </p:cTn>
-                              </p:par>
-                            </p:childTnLst>
-                          </p:cTn>
-                        </p:par>
-                      </p:childTnLst>
-                    </p:cTn>
-                  </p:par>
                 </p:childTnLst>
               </p:cTn>
               <p:prevCondLst>
@@ -18773,7 +18692,6 @@
     </p:tnLst>
     <p:bldLst>
       <p:bldP spid="3" grpId="0" uiExpand="1" build="p"/>
-      <p:bldP spid="14" grpId="0"/>
     </p:bldLst>
   </p:timing>
 </p:sld>
